--- a/materi geografi/design.pptx
+++ b/materi geografi/design.pptx
@@ -300,7 +300,8 @@
           <a:p>
             <a:fld id="{E6725029-B0EE-4738-8BAA-2D83EB0EEDF5}" type="datetimeFigureOut">
               <a:rPr lang="id-ID" smtClean="0"/>
-              <a:t>14/02/2020</a:t>
+              <a:pPr/>
+              <a:t>15/04/2020</a:t>
             </a:fld>
             <a:endParaRPr lang="id-ID"/>
           </a:p>
@@ -342,6 +343,7 @@
           <a:p>
             <a:fld id="{B6D3CE9E-9AA8-422F-9C7E-717698FDDEBB}" type="slidenum">
               <a:rPr lang="id-ID" smtClean="0"/>
+              <a:pPr/>
               <a:t>‹#›</a:t>
             </a:fld>
             <a:endParaRPr lang="id-ID"/>
@@ -351,7 +353,7 @@
     </p:spTree>
     <p:extLst>
       <p:ext uri="{BB962C8B-B14F-4D97-AF65-F5344CB8AC3E}">
-        <p14:creationId xmlns:p14="http://schemas.microsoft.com/office/powerpoint/2010/main" val="2266186777"/>
+        <p14:creationId xmlns:p14="http://schemas.microsoft.com/office/powerpoint/2010/main" xmlns="" val="2266186777"/>
       </p:ext>
     </p:extLst>
   </p:cSld>
@@ -470,7 +472,8 @@
           <a:p>
             <a:fld id="{E6725029-B0EE-4738-8BAA-2D83EB0EEDF5}" type="datetimeFigureOut">
               <a:rPr lang="id-ID" smtClean="0"/>
-              <a:t>14/02/2020</a:t>
+              <a:pPr/>
+              <a:t>15/04/2020</a:t>
             </a:fld>
             <a:endParaRPr lang="id-ID"/>
           </a:p>
@@ -512,6 +515,7 @@
           <a:p>
             <a:fld id="{B6D3CE9E-9AA8-422F-9C7E-717698FDDEBB}" type="slidenum">
               <a:rPr lang="id-ID" smtClean="0"/>
+              <a:pPr/>
               <a:t>‹#›</a:t>
             </a:fld>
             <a:endParaRPr lang="id-ID"/>
@@ -521,7 +525,7 @@
     </p:spTree>
     <p:extLst>
       <p:ext uri="{BB962C8B-B14F-4D97-AF65-F5344CB8AC3E}">
-        <p14:creationId xmlns:p14="http://schemas.microsoft.com/office/powerpoint/2010/main" val="3003197454"/>
+        <p14:creationId xmlns:p14="http://schemas.microsoft.com/office/powerpoint/2010/main" xmlns="" val="3003197454"/>
       </p:ext>
     </p:extLst>
   </p:cSld>
@@ -650,7 +654,8 @@
           <a:p>
             <a:fld id="{E6725029-B0EE-4738-8BAA-2D83EB0EEDF5}" type="datetimeFigureOut">
               <a:rPr lang="id-ID" smtClean="0"/>
-              <a:t>14/02/2020</a:t>
+              <a:pPr/>
+              <a:t>15/04/2020</a:t>
             </a:fld>
             <a:endParaRPr lang="id-ID"/>
           </a:p>
@@ -692,6 +697,7 @@
           <a:p>
             <a:fld id="{B6D3CE9E-9AA8-422F-9C7E-717698FDDEBB}" type="slidenum">
               <a:rPr lang="id-ID" smtClean="0"/>
+              <a:pPr/>
               <a:t>‹#›</a:t>
             </a:fld>
             <a:endParaRPr lang="id-ID"/>
@@ -701,7 +707,7 @@
     </p:spTree>
     <p:extLst>
       <p:ext uri="{BB962C8B-B14F-4D97-AF65-F5344CB8AC3E}">
-        <p14:creationId xmlns:p14="http://schemas.microsoft.com/office/powerpoint/2010/main" val="2623117259"/>
+        <p14:creationId xmlns:p14="http://schemas.microsoft.com/office/powerpoint/2010/main" xmlns="" val="2623117259"/>
       </p:ext>
     </p:extLst>
   </p:cSld>
@@ -820,7 +826,8 @@
           <a:p>
             <a:fld id="{E6725029-B0EE-4738-8BAA-2D83EB0EEDF5}" type="datetimeFigureOut">
               <a:rPr lang="id-ID" smtClean="0"/>
-              <a:t>14/02/2020</a:t>
+              <a:pPr/>
+              <a:t>15/04/2020</a:t>
             </a:fld>
             <a:endParaRPr lang="id-ID"/>
           </a:p>
@@ -862,6 +869,7 @@
           <a:p>
             <a:fld id="{B6D3CE9E-9AA8-422F-9C7E-717698FDDEBB}" type="slidenum">
               <a:rPr lang="id-ID" smtClean="0"/>
+              <a:pPr/>
               <a:t>‹#›</a:t>
             </a:fld>
             <a:endParaRPr lang="id-ID"/>
@@ -871,7 +879,7 @@
     </p:spTree>
     <p:extLst>
       <p:ext uri="{BB962C8B-B14F-4D97-AF65-F5344CB8AC3E}">
-        <p14:creationId xmlns:p14="http://schemas.microsoft.com/office/powerpoint/2010/main" val="3502203488"/>
+        <p14:creationId xmlns:p14="http://schemas.microsoft.com/office/powerpoint/2010/main" xmlns="" val="3502203488"/>
       </p:ext>
     </p:extLst>
   </p:cSld>
@@ -1066,7 +1074,8 @@
           <a:p>
             <a:fld id="{E6725029-B0EE-4738-8BAA-2D83EB0EEDF5}" type="datetimeFigureOut">
               <a:rPr lang="id-ID" smtClean="0"/>
-              <a:t>14/02/2020</a:t>
+              <a:pPr/>
+              <a:t>15/04/2020</a:t>
             </a:fld>
             <a:endParaRPr lang="id-ID"/>
           </a:p>
@@ -1108,6 +1117,7 @@
           <a:p>
             <a:fld id="{B6D3CE9E-9AA8-422F-9C7E-717698FDDEBB}" type="slidenum">
               <a:rPr lang="id-ID" smtClean="0"/>
+              <a:pPr/>
               <a:t>‹#›</a:t>
             </a:fld>
             <a:endParaRPr lang="id-ID"/>
@@ -1117,7 +1127,7 @@
     </p:spTree>
     <p:extLst>
       <p:ext uri="{BB962C8B-B14F-4D97-AF65-F5344CB8AC3E}">
-        <p14:creationId xmlns:p14="http://schemas.microsoft.com/office/powerpoint/2010/main" val="1587028033"/>
+        <p14:creationId xmlns:p14="http://schemas.microsoft.com/office/powerpoint/2010/main" xmlns="" val="1587028033"/>
       </p:ext>
     </p:extLst>
   </p:cSld>
@@ -1354,7 +1364,8 @@
           <a:p>
             <a:fld id="{E6725029-B0EE-4738-8BAA-2D83EB0EEDF5}" type="datetimeFigureOut">
               <a:rPr lang="id-ID" smtClean="0"/>
-              <a:t>14/02/2020</a:t>
+              <a:pPr/>
+              <a:t>15/04/2020</a:t>
             </a:fld>
             <a:endParaRPr lang="id-ID"/>
           </a:p>
@@ -1396,6 +1407,7 @@
           <a:p>
             <a:fld id="{B6D3CE9E-9AA8-422F-9C7E-717698FDDEBB}" type="slidenum">
               <a:rPr lang="id-ID" smtClean="0"/>
+              <a:pPr/>
               <a:t>‹#›</a:t>
             </a:fld>
             <a:endParaRPr lang="id-ID"/>
@@ -1405,7 +1417,7 @@
     </p:spTree>
     <p:extLst>
       <p:ext uri="{BB962C8B-B14F-4D97-AF65-F5344CB8AC3E}">
-        <p14:creationId xmlns:p14="http://schemas.microsoft.com/office/powerpoint/2010/main" val="3609209776"/>
+        <p14:creationId xmlns:p14="http://schemas.microsoft.com/office/powerpoint/2010/main" xmlns="" val="3609209776"/>
       </p:ext>
     </p:extLst>
   </p:cSld>
@@ -1776,7 +1788,8 @@
           <a:p>
             <a:fld id="{E6725029-B0EE-4738-8BAA-2D83EB0EEDF5}" type="datetimeFigureOut">
               <a:rPr lang="id-ID" smtClean="0"/>
-              <a:t>14/02/2020</a:t>
+              <a:pPr/>
+              <a:t>15/04/2020</a:t>
             </a:fld>
             <a:endParaRPr lang="id-ID"/>
           </a:p>
@@ -1818,6 +1831,7 @@
           <a:p>
             <a:fld id="{B6D3CE9E-9AA8-422F-9C7E-717698FDDEBB}" type="slidenum">
               <a:rPr lang="id-ID" smtClean="0"/>
+              <a:pPr/>
               <a:t>‹#›</a:t>
             </a:fld>
             <a:endParaRPr lang="id-ID"/>
@@ -1827,7 +1841,7 @@
     </p:spTree>
     <p:extLst>
       <p:ext uri="{BB962C8B-B14F-4D97-AF65-F5344CB8AC3E}">
-        <p14:creationId xmlns:p14="http://schemas.microsoft.com/office/powerpoint/2010/main" val="1770227927"/>
+        <p14:creationId xmlns:p14="http://schemas.microsoft.com/office/powerpoint/2010/main" xmlns="" val="1770227927"/>
       </p:ext>
     </p:extLst>
   </p:cSld>
@@ -1894,7 +1908,8 @@
           <a:p>
             <a:fld id="{E6725029-B0EE-4738-8BAA-2D83EB0EEDF5}" type="datetimeFigureOut">
               <a:rPr lang="id-ID" smtClean="0"/>
-              <a:t>14/02/2020</a:t>
+              <a:pPr/>
+              <a:t>15/04/2020</a:t>
             </a:fld>
             <a:endParaRPr lang="id-ID"/>
           </a:p>
@@ -1936,6 +1951,7 @@
           <a:p>
             <a:fld id="{B6D3CE9E-9AA8-422F-9C7E-717698FDDEBB}" type="slidenum">
               <a:rPr lang="id-ID" smtClean="0"/>
+              <a:pPr/>
               <a:t>‹#›</a:t>
             </a:fld>
             <a:endParaRPr lang="id-ID"/>
@@ -1945,7 +1961,7 @@
     </p:spTree>
     <p:extLst>
       <p:ext uri="{BB962C8B-B14F-4D97-AF65-F5344CB8AC3E}">
-        <p14:creationId xmlns:p14="http://schemas.microsoft.com/office/powerpoint/2010/main" val="2062636888"/>
+        <p14:creationId xmlns:p14="http://schemas.microsoft.com/office/powerpoint/2010/main" xmlns="" val="2062636888"/>
       </p:ext>
     </p:extLst>
   </p:cSld>
@@ -1989,7 +2005,8 @@
           <a:p>
             <a:fld id="{E6725029-B0EE-4738-8BAA-2D83EB0EEDF5}" type="datetimeFigureOut">
               <a:rPr lang="id-ID" smtClean="0"/>
-              <a:t>14/02/2020</a:t>
+              <a:pPr/>
+              <a:t>15/04/2020</a:t>
             </a:fld>
             <a:endParaRPr lang="id-ID"/>
           </a:p>
@@ -2031,6 +2048,7 @@
           <a:p>
             <a:fld id="{B6D3CE9E-9AA8-422F-9C7E-717698FDDEBB}" type="slidenum">
               <a:rPr lang="id-ID" smtClean="0"/>
+              <a:pPr/>
               <a:t>‹#›</a:t>
             </a:fld>
             <a:endParaRPr lang="id-ID"/>
@@ -2040,7 +2058,7 @@
     </p:spTree>
     <p:extLst>
       <p:ext uri="{BB962C8B-B14F-4D97-AF65-F5344CB8AC3E}">
-        <p14:creationId xmlns:p14="http://schemas.microsoft.com/office/powerpoint/2010/main" val="1741477553"/>
+        <p14:creationId xmlns:p14="http://schemas.microsoft.com/office/powerpoint/2010/main" xmlns="" val="1741477553"/>
       </p:ext>
     </p:extLst>
   </p:cSld>
@@ -2266,7 +2284,8 @@
           <a:p>
             <a:fld id="{E6725029-B0EE-4738-8BAA-2D83EB0EEDF5}" type="datetimeFigureOut">
               <a:rPr lang="id-ID" smtClean="0"/>
-              <a:t>14/02/2020</a:t>
+              <a:pPr/>
+              <a:t>15/04/2020</a:t>
             </a:fld>
             <a:endParaRPr lang="id-ID"/>
           </a:p>
@@ -2308,6 +2327,7 @@
           <a:p>
             <a:fld id="{B6D3CE9E-9AA8-422F-9C7E-717698FDDEBB}" type="slidenum">
               <a:rPr lang="id-ID" smtClean="0"/>
+              <a:pPr/>
               <a:t>‹#›</a:t>
             </a:fld>
             <a:endParaRPr lang="id-ID"/>
@@ -2317,7 +2337,7 @@
     </p:spTree>
     <p:extLst>
       <p:ext uri="{BB962C8B-B14F-4D97-AF65-F5344CB8AC3E}">
-        <p14:creationId xmlns:p14="http://schemas.microsoft.com/office/powerpoint/2010/main" val="1041061163"/>
+        <p14:creationId xmlns:p14="http://schemas.microsoft.com/office/powerpoint/2010/main" xmlns="" val="1041061163"/>
       </p:ext>
     </p:extLst>
   </p:cSld>
@@ -2519,7 +2539,8 @@
           <a:p>
             <a:fld id="{E6725029-B0EE-4738-8BAA-2D83EB0EEDF5}" type="datetimeFigureOut">
               <a:rPr lang="id-ID" smtClean="0"/>
-              <a:t>14/02/2020</a:t>
+              <a:pPr/>
+              <a:t>15/04/2020</a:t>
             </a:fld>
             <a:endParaRPr lang="id-ID"/>
           </a:p>
@@ -2561,6 +2582,7 @@
           <a:p>
             <a:fld id="{B6D3CE9E-9AA8-422F-9C7E-717698FDDEBB}" type="slidenum">
               <a:rPr lang="id-ID" smtClean="0"/>
+              <a:pPr/>
               <a:t>‹#›</a:t>
             </a:fld>
             <a:endParaRPr lang="id-ID"/>
@@ -2570,7 +2592,7 @@
     </p:spTree>
     <p:extLst>
       <p:ext uri="{BB962C8B-B14F-4D97-AF65-F5344CB8AC3E}">
-        <p14:creationId xmlns:p14="http://schemas.microsoft.com/office/powerpoint/2010/main" val="478554033"/>
+        <p14:creationId xmlns:p14="http://schemas.microsoft.com/office/powerpoint/2010/main" xmlns="" val="478554033"/>
       </p:ext>
     </p:extLst>
   </p:cSld>
@@ -2738,7 +2760,8 @@
           <a:p>
             <a:fld id="{E6725029-B0EE-4738-8BAA-2D83EB0EEDF5}" type="datetimeFigureOut">
               <a:rPr lang="id-ID" smtClean="0"/>
-              <a:t>14/02/2020</a:t>
+              <a:pPr/>
+              <a:t>15/04/2020</a:t>
             </a:fld>
             <a:endParaRPr lang="id-ID"/>
           </a:p>
@@ -2816,6 +2839,7 @@
           <a:p>
             <a:fld id="{B6D3CE9E-9AA8-422F-9C7E-717698FDDEBB}" type="slidenum">
               <a:rPr lang="id-ID" smtClean="0"/>
+              <a:pPr/>
               <a:t>‹#›</a:t>
             </a:fld>
             <a:endParaRPr lang="id-ID"/>
@@ -2825,7 +2849,7 @@
     </p:spTree>
     <p:extLst>
       <p:ext uri="{BB962C8B-B14F-4D97-AF65-F5344CB8AC3E}">
-        <p14:creationId xmlns:p14="http://schemas.microsoft.com/office/powerpoint/2010/main" val="2781259820"/>
+        <p14:creationId xmlns:p14="http://schemas.microsoft.com/office/powerpoint/2010/main" xmlns="" val="2781259820"/>
       </p:ext>
     </p:extLst>
   </p:cSld>
@@ -3139,7 +3163,7 @@
             <a:blip r:embed="rId2">
               <a:extLst>
                 <a:ext uri="{28A0092B-C50C-407E-A947-70E740481C1C}">
-                  <a14:useLocalDpi xmlns:a14="http://schemas.microsoft.com/office/drawing/2010/main" val="0"/>
+                  <a14:useLocalDpi xmlns:a14="http://schemas.microsoft.com/office/drawing/2010/main" xmlns="" val="0"/>
                 </a:ext>
               </a:extLst>
             </a:blip>
@@ -3159,7 +3183,7 @@
             <a:noFill/>
             <a:extLst>
               <a:ext uri="{909E8E84-426E-40DD-AFC4-6F175D3DCCD1}">
-                <a14:hiddenFill xmlns:a14="http://schemas.microsoft.com/office/drawing/2010/main">
+                <a14:hiddenFill xmlns:a14="http://schemas.microsoft.com/office/drawing/2010/main" xmlns="">
                   <a:solidFill>
                     <a:srgbClr val="FFFFFF"/>
                   </a:solidFill>
@@ -3194,7 +3218,7 @@
               <a:blip r:embed="rId2">
                 <a:extLst>
                   <a:ext uri="{28A0092B-C50C-407E-A947-70E740481C1C}">
-                    <a14:useLocalDpi xmlns:a14="http://schemas.microsoft.com/office/drawing/2010/main" val="0"/>
+                    <a14:useLocalDpi xmlns:a14="http://schemas.microsoft.com/office/drawing/2010/main" xmlns="" val="0"/>
                   </a:ext>
                 </a:extLst>
               </a:blip>
@@ -3214,7 +3238,7 @@
               <a:noFill/>
               <a:extLst>
                 <a:ext uri="{909E8E84-426E-40DD-AFC4-6F175D3DCCD1}">
-                  <a14:hiddenFill xmlns:a14="http://schemas.microsoft.com/office/drawing/2010/main">
+                  <a14:hiddenFill xmlns:a14="http://schemas.microsoft.com/office/drawing/2010/main" xmlns="">
                     <a:solidFill>
                       <a:srgbClr val="FFFFFF"/>
                     </a:solidFill>
@@ -3235,7 +3259,7 @@
               <a:blip r:embed="rId2">
                 <a:extLst>
                   <a:ext uri="{28A0092B-C50C-407E-A947-70E740481C1C}">
-                    <a14:useLocalDpi xmlns:a14="http://schemas.microsoft.com/office/drawing/2010/main" val="0"/>
+                    <a14:useLocalDpi xmlns:a14="http://schemas.microsoft.com/office/drawing/2010/main" xmlns="" val="0"/>
                   </a:ext>
                 </a:extLst>
               </a:blip>
@@ -3255,7 +3279,7 @@
               <a:noFill/>
               <a:extLst>
                 <a:ext uri="{909E8E84-426E-40DD-AFC4-6F175D3DCCD1}">
-                  <a14:hiddenFill xmlns:a14="http://schemas.microsoft.com/office/drawing/2010/main">
+                  <a14:hiddenFill xmlns:a14="http://schemas.microsoft.com/office/drawing/2010/main" xmlns="">
                     <a:solidFill>
                       <a:srgbClr val="FFFFFF"/>
                     </a:solidFill>
@@ -3318,7 +3342,7 @@
           <a:blip r:embed="rId3" cstate="print">
             <a:extLst>
               <a:ext uri="{28A0092B-C50C-407E-A947-70E740481C1C}">
-                <a14:useLocalDpi xmlns:a14="http://schemas.microsoft.com/office/drawing/2010/main" val="0"/>
+                <a14:useLocalDpi xmlns:a14="http://schemas.microsoft.com/office/drawing/2010/main" xmlns="" val="0"/>
               </a:ext>
             </a:extLst>
           </a:blip>
@@ -3459,7 +3483,7 @@
     </p:spTree>
     <p:extLst>
       <p:ext uri="{BB962C8B-B14F-4D97-AF65-F5344CB8AC3E}">
-        <p14:creationId xmlns:p14="http://schemas.microsoft.com/office/powerpoint/2010/main" val="3068900422"/>
+        <p14:creationId xmlns:p14="http://schemas.microsoft.com/office/powerpoint/2010/main" xmlns="" val="3068900422"/>
       </p:ext>
     </p:extLst>
   </p:cSld>
@@ -3496,7 +3520,7 @@
           <a:blip r:embed="rId2" cstate="print">
             <a:extLst>
               <a:ext uri="{28A0092B-C50C-407E-A947-70E740481C1C}">
-                <a14:useLocalDpi xmlns:a14="http://schemas.microsoft.com/office/drawing/2010/main" val="0"/>
+                <a14:useLocalDpi xmlns:a14="http://schemas.microsoft.com/office/drawing/2010/main" xmlns="" val="0"/>
               </a:ext>
             </a:extLst>
           </a:blip>
@@ -3516,7 +3540,7 @@
           </a:ln>
           <a:extLst>
             <a:ext uri="{53640926-AAD7-44D8-BBD7-CCE9431645EC}">
-              <a14:shadowObscured xmlns:a14="http://schemas.microsoft.com/office/drawing/2010/main"/>
+              <a14:shadowObscured xmlns:a14="http://schemas.microsoft.com/office/drawing/2010/main" xmlns=""/>
             </a:ext>
           </a:extLst>
         </p:spPr>
@@ -3647,16 +3671,13 @@
               </a:rPr>
               <a:t>-	Timur	: Papua Nugini, Timor Leste dan Samudera Pasifik</a:t>
             </a:r>
-            <a:endParaRPr lang="id-ID" sz="1600" dirty="0">
-              <a:latin typeface="Humanst521 Lt BT" pitchFamily="34" charset="0"/>
-            </a:endParaRPr>
           </a:p>
         </p:txBody>
       </p:sp>
     </p:spTree>
     <p:extLst>
       <p:ext uri="{BB962C8B-B14F-4D97-AF65-F5344CB8AC3E}">
-        <p14:creationId xmlns:p14="http://schemas.microsoft.com/office/powerpoint/2010/main" val="2722019560"/>
+        <p14:creationId xmlns:p14="http://schemas.microsoft.com/office/powerpoint/2010/main" xmlns="" val="2722019560"/>
       </p:ext>
     </p:extLst>
   </p:cSld>
@@ -3724,7 +3745,7 @@
     </p:spTree>
     <p:extLst>
       <p:ext uri="{BB962C8B-B14F-4D97-AF65-F5344CB8AC3E}">
-        <p14:creationId xmlns:p14="http://schemas.microsoft.com/office/powerpoint/2010/main" val="4181234719"/>
+        <p14:creationId xmlns:p14="http://schemas.microsoft.com/office/powerpoint/2010/main" xmlns="" val="4181234719"/>
       </p:ext>
     </p:extLst>
   </p:cSld>
@@ -3761,7 +3782,7 @@
           <a:blip r:embed="rId2" cstate="print">
             <a:extLst>
               <a:ext uri="{28A0092B-C50C-407E-A947-70E740481C1C}">
-                <a14:useLocalDpi xmlns:a14="http://schemas.microsoft.com/office/drawing/2010/main" val="0"/>
+                <a14:useLocalDpi xmlns:a14="http://schemas.microsoft.com/office/drawing/2010/main" xmlns="" val="0"/>
               </a:ext>
             </a:extLst>
           </a:blip>
@@ -3781,7 +3802,7 @@
           </a:ln>
           <a:extLst>
             <a:ext uri="{53640926-AAD7-44D8-BBD7-CCE9431645EC}">
-              <a14:shadowObscured xmlns:a14="http://schemas.microsoft.com/office/drawing/2010/main"/>
+              <a14:shadowObscured xmlns:a14="http://schemas.microsoft.com/office/drawing/2010/main" xmlns=""/>
             </a:ext>
           </a:extLst>
         </p:spPr>
@@ -3916,16 +3937,13 @@
               </a:rPr>
               <a:t>pembaruan penamaan dibagian utara Laut Natuna yang sekarang diberi nama Laut Natuna Utara. Dalam peta sebelumnya, Laut Natuna berada di bagian dalam garis laut teritorial.</a:t>
             </a:r>
-            <a:endParaRPr lang="id-ID" sz="1600" dirty="0">
-              <a:latin typeface="Humanst521 Lt BT" pitchFamily="34" charset="0"/>
-            </a:endParaRPr>
           </a:p>
         </p:txBody>
       </p:sp>
     </p:spTree>
     <p:extLst>
       <p:ext uri="{BB962C8B-B14F-4D97-AF65-F5344CB8AC3E}">
-        <p14:creationId xmlns:p14="http://schemas.microsoft.com/office/powerpoint/2010/main" val="1747366713"/>
+        <p14:creationId xmlns:p14="http://schemas.microsoft.com/office/powerpoint/2010/main" xmlns="" val="1747366713"/>
       </p:ext>
     </p:extLst>
   </p:cSld>
@@ -3979,7 +3997,7 @@
           <a:noFill/>
           <a:extLst>
             <a:ext uri="{909E8E84-426E-40DD-AFC4-6F175D3DCCD1}">
-              <a14:hiddenFill xmlns:a14="http://schemas.microsoft.com/office/drawing/2010/main">
+              <a14:hiddenFill xmlns:a14="http://schemas.microsoft.com/office/drawing/2010/main" xmlns="">
                 <a:solidFill>
                   <a:srgbClr val="FFFFFF"/>
                 </a:solidFill>
@@ -4018,7 +4036,7 @@
           <a:noFill/>
           <a:extLst>
             <a:ext uri="{909E8E84-426E-40DD-AFC4-6F175D3DCCD1}">
-              <a14:hiddenFill xmlns:a14="http://schemas.microsoft.com/office/drawing/2010/main">
+              <a14:hiddenFill xmlns:a14="http://schemas.microsoft.com/office/drawing/2010/main" xmlns="">
                 <a:solidFill>
                   <a:srgbClr val="FFFFFF"/>
                 </a:solidFill>
@@ -4057,7 +4075,7 @@
           <a:noFill/>
           <a:extLst>
             <a:ext uri="{909E8E84-426E-40DD-AFC4-6F175D3DCCD1}">
-              <a14:hiddenFill xmlns:a14="http://schemas.microsoft.com/office/drawing/2010/main">
+              <a14:hiddenFill xmlns:a14="http://schemas.microsoft.com/office/drawing/2010/main" xmlns="">
                 <a:solidFill>
                   <a:srgbClr val="FFFFFF"/>
                 </a:solidFill>
@@ -4089,7 +4107,7 @@
           <a:blip r:embed="rId2">
             <a:extLst>
               <a:ext uri="{28A0092B-C50C-407E-A947-70E740481C1C}">
-                <a14:useLocalDpi xmlns:a14="http://schemas.microsoft.com/office/drawing/2010/main" val="0"/>
+                <a14:useLocalDpi xmlns:a14="http://schemas.microsoft.com/office/drawing/2010/main" xmlns="" val="0"/>
               </a:ext>
             </a:extLst>
           </a:blip>
@@ -4109,7 +4127,7 @@
           <a:noFill/>
           <a:extLst>
             <a:ext uri="{909E8E84-426E-40DD-AFC4-6F175D3DCCD1}">
-              <a14:hiddenFill xmlns:a14="http://schemas.microsoft.com/office/drawing/2010/main">
+              <a14:hiddenFill xmlns:a14="http://schemas.microsoft.com/office/drawing/2010/main" xmlns="">
                 <a:solidFill>
                   <a:srgbClr val="FFFFFF"/>
                 </a:solidFill>
@@ -4159,7 +4177,7 @@
           <a:blip r:embed="rId3" cstate="print">
             <a:extLst>
               <a:ext uri="{28A0092B-C50C-407E-A947-70E740481C1C}">
-                <a14:useLocalDpi xmlns:a14="http://schemas.microsoft.com/office/drawing/2010/main" val="0"/>
+                <a14:useLocalDpi xmlns:a14="http://schemas.microsoft.com/office/drawing/2010/main" xmlns="" val="0"/>
               </a:ext>
             </a:extLst>
           </a:blip>
@@ -4290,10 +4308,131 @@
           </p:txBody>
         </p:sp>
       </p:grpSp>
+      <p:grpSp>
+        <p:nvGrpSpPr>
+          <p:cNvPr id="1029" name="Group 3124"/>
+          <p:cNvGrpSpPr>
+            <a:grpSpLocks/>
+          </p:cNvGrpSpPr>
+          <p:nvPr/>
+        </p:nvGrpSpPr>
+        <p:grpSpPr bwMode="auto">
+          <a:xfrm>
+            <a:off x="2743200" y="3352800"/>
+            <a:ext cx="3152775" cy="2200275"/>
+            <a:chOff x="0" y="0"/>
+            <a:chExt cx="31527" cy="22002"/>
+          </a:xfrm>
+        </p:grpSpPr>
+        <p:sp>
+          <p:nvSpPr>
+            <p:cNvPr id="3116" name="Rectangle 3116"/>
+            <p:cNvSpPr>
+              <a:spLocks noChangeArrowheads="1"/>
+            </p:cNvSpPr>
+            <p:nvPr/>
+          </p:nvSpPr>
+          <p:spPr bwMode="auto">
+            <a:xfrm>
+              <a:off x="5048" y="19145"/>
+              <a:ext cx="22048" cy="2857"/>
+            </a:xfrm>
+            <a:prstGeom prst="rect">
+              <a:avLst/>
+            </a:prstGeom>
+            <a:noFill/>
+            <a:ln w="9525">
+              <a:solidFill>
+                <a:srgbClr val="000000"/>
+              </a:solidFill>
+              <a:miter lim="800000"/>
+              <a:headEnd/>
+              <a:tailEnd/>
+            </a:ln>
+          </p:spPr>
+          <p:txBody>
+            <a:bodyPr vert="horz" wrap="square" lIns="91440" tIns="45720" rIns="91440" bIns="45720" numCol="1" anchor="ctr" anchorCtr="0" compatLnSpc="1">
+              <a:prstTxWarp prst="textNoShape">
+                <a:avLst/>
+              </a:prstTxWarp>
+            </a:bodyPr>
+            <a:lstStyle/>
+            <a:p>
+              <a:pPr marL="0" marR="0" lvl="0" indent="0" algn="ctr" defTabSz="914400" rtl="0" eaLnBrk="1" fontAlgn="base" latinLnBrk="0" hangingPunct="1">
+                <a:lnSpc>
+                  <a:spcPct val="100000"/>
+                </a:lnSpc>
+                <a:spcBef>
+                  <a:spcPct val="0"/>
+                </a:spcBef>
+                <a:spcAft>
+                  <a:spcPts val="1000"/>
+                </a:spcAft>
+                <a:buClrTx/>
+                <a:buSzTx/>
+                <a:buFontTx/>
+                <a:buNone/>
+                <a:tabLst/>
+              </a:pPr>
+              <a:r>
+                <a:rPr kumimoji="0" lang="en-US" sz="1100" b="0" i="0" u="none" strike="noStrike" cap="none" normalizeH="0" baseline="0" smtClean="0">
+                  <a:ln>
+                    <a:noFill/>
+                  </a:ln>
+                  <a:solidFill>
+                    <a:srgbClr val="000000"/>
+                  </a:solidFill>
+                  <a:effectLst/>
+                  <a:latin typeface="Calibri" pitchFamily="34" charset="0"/>
+                  <a:cs typeface="Arial" pitchFamily="34" charset="0"/>
+                </a:rPr>
+                <a:t>Taman Nasional Pulau Komodo</a:t>
+              </a:r>
+              <a:endParaRPr kumimoji="0" lang="en-US" sz="1800" b="0" i="0" u="none" strike="noStrike" cap="none" normalizeH="0" baseline="0" smtClean="0">
+                <a:ln>
+                  <a:noFill/>
+                </a:ln>
+                <a:solidFill>
+                  <a:schemeClr val="tx1"/>
+                </a:solidFill>
+                <a:effectLst/>
+                <a:latin typeface="Arial" pitchFamily="34" charset="0"/>
+                <a:cs typeface="Arial" pitchFamily="34" charset="0"/>
+              </a:endParaRPr>
+            </a:p>
+          </p:txBody>
+        </p:sp>
+        <p:pic>
+          <p:nvPicPr>
+            <p:cNvPr id="3119" name="Picture 3119" descr="Hasil gambar untuk taman nasional pulau komodo"/>
+            <p:cNvPicPr>
+              <a:picLocks noChangeAspect="1"/>
+            </p:cNvPicPr>
+            <p:nvPr/>
+          </p:nvPicPr>
+          <p:blipFill>
+            <a:blip r:embed="rId4"/>
+            <a:srcRect/>
+            <a:stretch>
+              <a:fillRect/>
+            </a:stretch>
+          </p:blipFill>
+          <p:spPr bwMode="auto">
+            <a:xfrm>
+              <a:off x="0" y="0"/>
+              <a:ext cx="31527" cy="18478"/>
+            </a:xfrm>
+            <a:prstGeom prst="rect">
+              <a:avLst/>
+            </a:prstGeom>
+            <a:noFill/>
+          </p:spPr>
+        </p:pic>
+      </p:grpSp>
     </p:spTree>
     <p:extLst>
       <p:ext uri="{BB962C8B-B14F-4D97-AF65-F5344CB8AC3E}">
-        <p14:creationId xmlns:p14="http://schemas.microsoft.com/office/powerpoint/2010/main" val="699493385"/>
+        <p14:creationId xmlns:p14="http://schemas.microsoft.com/office/powerpoint/2010/main" xmlns="" val="699493385"/>
       </p:ext>
     </p:extLst>
   </p:cSld>
@@ -4353,7 +4492,7 @@
             <a:blip r:embed="rId2">
               <a:extLst>
                 <a:ext uri="{28A0092B-C50C-407E-A947-70E740481C1C}">
-                  <a14:useLocalDpi xmlns:a14="http://schemas.microsoft.com/office/drawing/2010/main" val="0"/>
+                  <a14:useLocalDpi xmlns:a14="http://schemas.microsoft.com/office/drawing/2010/main" xmlns="" val="0"/>
                 </a:ext>
               </a:extLst>
             </a:blip>
@@ -4373,7 +4512,7 @@
             <a:noFill/>
             <a:extLst>
               <a:ext uri="{909E8E84-426E-40DD-AFC4-6F175D3DCCD1}">
-                <a14:hiddenFill xmlns:a14="http://schemas.microsoft.com/office/drawing/2010/main">
+                <a14:hiddenFill xmlns:a14="http://schemas.microsoft.com/office/drawing/2010/main" xmlns="">
                   <a:solidFill>
                     <a:srgbClr val="FFFFFF"/>
                   </a:solidFill>
@@ -4408,7 +4547,7 @@
               <a:blip r:embed="rId2">
                 <a:extLst>
                   <a:ext uri="{28A0092B-C50C-407E-A947-70E740481C1C}">
-                    <a14:useLocalDpi xmlns:a14="http://schemas.microsoft.com/office/drawing/2010/main" val="0"/>
+                    <a14:useLocalDpi xmlns:a14="http://schemas.microsoft.com/office/drawing/2010/main" xmlns="" val="0"/>
                   </a:ext>
                 </a:extLst>
               </a:blip>
@@ -4428,7 +4567,7 @@
               <a:noFill/>
               <a:extLst>
                 <a:ext uri="{909E8E84-426E-40DD-AFC4-6F175D3DCCD1}">
-                  <a14:hiddenFill xmlns:a14="http://schemas.microsoft.com/office/drawing/2010/main">
+                  <a14:hiddenFill xmlns:a14="http://schemas.microsoft.com/office/drawing/2010/main" xmlns="">
                     <a:solidFill>
                       <a:srgbClr val="FFFFFF"/>
                     </a:solidFill>
@@ -4449,7 +4588,7 @@
               <a:blip r:embed="rId2">
                 <a:extLst>
                   <a:ext uri="{28A0092B-C50C-407E-A947-70E740481C1C}">
-                    <a14:useLocalDpi xmlns:a14="http://schemas.microsoft.com/office/drawing/2010/main" val="0"/>
+                    <a14:useLocalDpi xmlns:a14="http://schemas.microsoft.com/office/drawing/2010/main" xmlns="" val="0"/>
                   </a:ext>
                 </a:extLst>
               </a:blip>
@@ -4469,7 +4608,7 @@
               <a:noFill/>
               <a:extLst>
                 <a:ext uri="{909E8E84-426E-40DD-AFC4-6F175D3DCCD1}">
-                  <a14:hiddenFill xmlns:a14="http://schemas.microsoft.com/office/drawing/2010/main">
+                  <a14:hiddenFill xmlns:a14="http://schemas.microsoft.com/office/drawing/2010/main" xmlns="">
                     <a:solidFill>
                       <a:srgbClr val="FFFFFF"/>
                     </a:solidFill>
@@ -4532,7 +4671,7 @@
           <a:blip r:embed="rId3" cstate="print">
             <a:extLst>
               <a:ext uri="{28A0092B-C50C-407E-A947-70E740481C1C}">
-                <a14:useLocalDpi xmlns:a14="http://schemas.microsoft.com/office/drawing/2010/main" val="0"/>
+                <a14:useLocalDpi xmlns:a14="http://schemas.microsoft.com/office/drawing/2010/main" xmlns="" val="0"/>
               </a:ext>
             </a:extLst>
           </a:blip>
@@ -4773,7 +4912,7 @@
             <a:blip r:embed="rId4" cstate="print">
               <a:extLst>
                 <a:ext uri="{28A0092B-C50C-407E-A947-70E740481C1C}">
-                  <a14:useLocalDpi xmlns:a14="http://schemas.microsoft.com/office/drawing/2010/main" val="0"/>
+                  <a14:useLocalDpi xmlns:a14="http://schemas.microsoft.com/office/drawing/2010/main" xmlns="" val="0"/>
                 </a:ext>
               </a:extLst>
             </a:blip>
@@ -4874,7 +5013,7 @@
             <a:blip r:embed="rId5" cstate="print">
               <a:extLst>
                 <a:ext uri="{28A0092B-C50C-407E-A947-70E740481C1C}">
-                  <a14:useLocalDpi xmlns:a14="http://schemas.microsoft.com/office/drawing/2010/main" val="0"/>
+                  <a14:useLocalDpi xmlns:a14="http://schemas.microsoft.com/office/drawing/2010/main" xmlns="" val="0"/>
                 </a:ext>
               </a:extLst>
             </a:blip>
@@ -4919,7 +5058,7 @@
             <a:blip r:embed="rId6" cstate="print">
               <a:extLst>
                 <a:ext uri="{28A0092B-C50C-407E-A947-70E740481C1C}">
-                  <a14:useLocalDpi xmlns:a14="http://schemas.microsoft.com/office/drawing/2010/main" val="0"/>
+                  <a14:useLocalDpi xmlns:a14="http://schemas.microsoft.com/office/drawing/2010/main" xmlns="" val="0"/>
                 </a:ext>
               </a:extLst>
             </a:blip>
@@ -4998,7 +5137,7 @@
     </p:spTree>
     <p:extLst>
       <p:ext uri="{BB962C8B-B14F-4D97-AF65-F5344CB8AC3E}">
-        <p14:creationId xmlns:p14="http://schemas.microsoft.com/office/powerpoint/2010/main" val="1674170214"/>
+        <p14:creationId xmlns:p14="http://schemas.microsoft.com/office/powerpoint/2010/main" xmlns="" val="1674170214"/>
       </p:ext>
     </p:extLst>
   </p:cSld>
@@ -5058,7 +5197,7 @@
             <a:blip r:embed="rId2">
               <a:extLst>
                 <a:ext uri="{28A0092B-C50C-407E-A947-70E740481C1C}">
-                  <a14:useLocalDpi xmlns:a14="http://schemas.microsoft.com/office/drawing/2010/main" val="0"/>
+                  <a14:useLocalDpi xmlns:a14="http://schemas.microsoft.com/office/drawing/2010/main" xmlns="" val="0"/>
                 </a:ext>
               </a:extLst>
             </a:blip>
@@ -5078,7 +5217,7 @@
             <a:noFill/>
             <a:extLst>
               <a:ext uri="{909E8E84-426E-40DD-AFC4-6F175D3DCCD1}">
-                <a14:hiddenFill xmlns:a14="http://schemas.microsoft.com/office/drawing/2010/main">
+                <a14:hiddenFill xmlns:a14="http://schemas.microsoft.com/office/drawing/2010/main" xmlns="">
                   <a:solidFill>
                     <a:srgbClr val="FFFFFF"/>
                   </a:solidFill>
@@ -5113,7 +5252,7 @@
               <a:blip r:embed="rId2">
                 <a:extLst>
                   <a:ext uri="{28A0092B-C50C-407E-A947-70E740481C1C}">
-                    <a14:useLocalDpi xmlns:a14="http://schemas.microsoft.com/office/drawing/2010/main" val="0"/>
+                    <a14:useLocalDpi xmlns:a14="http://schemas.microsoft.com/office/drawing/2010/main" xmlns="" val="0"/>
                   </a:ext>
                 </a:extLst>
               </a:blip>
@@ -5133,7 +5272,7 @@
               <a:noFill/>
               <a:extLst>
                 <a:ext uri="{909E8E84-426E-40DD-AFC4-6F175D3DCCD1}">
-                  <a14:hiddenFill xmlns:a14="http://schemas.microsoft.com/office/drawing/2010/main">
+                  <a14:hiddenFill xmlns:a14="http://schemas.microsoft.com/office/drawing/2010/main" xmlns="">
                     <a:solidFill>
                       <a:srgbClr val="FFFFFF"/>
                     </a:solidFill>
@@ -5154,7 +5293,7 @@
               <a:blip r:embed="rId2">
                 <a:extLst>
                   <a:ext uri="{28A0092B-C50C-407E-A947-70E740481C1C}">
-                    <a14:useLocalDpi xmlns:a14="http://schemas.microsoft.com/office/drawing/2010/main" val="0"/>
+                    <a14:useLocalDpi xmlns:a14="http://schemas.microsoft.com/office/drawing/2010/main" xmlns="" val="0"/>
                   </a:ext>
                 </a:extLst>
               </a:blip>
@@ -5174,7 +5313,7 @@
               <a:noFill/>
               <a:extLst>
                 <a:ext uri="{909E8E84-426E-40DD-AFC4-6F175D3DCCD1}">
-                  <a14:hiddenFill xmlns:a14="http://schemas.microsoft.com/office/drawing/2010/main">
+                  <a14:hiddenFill xmlns:a14="http://schemas.microsoft.com/office/drawing/2010/main" xmlns="">
                     <a:solidFill>
                       <a:srgbClr val="FFFFFF"/>
                     </a:solidFill>
@@ -5237,7 +5376,7 @@
           <a:blip r:embed="rId3" cstate="print">
             <a:extLst>
               <a:ext uri="{28A0092B-C50C-407E-A947-70E740481C1C}">
-                <a14:useLocalDpi xmlns:a14="http://schemas.microsoft.com/office/drawing/2010/main" val="0"/>
+                <a14:useLocalDpi xmlns:a14="http://schemas.microsoft.com/office/drawing/2010/main" xmlns="" val="0"/>
               </a:ext>
             </a:extLst>
           </a:blip>
@@ -5478,7 +5617,7 @@
             <a:blip r:embed="rId4" cstate="print">
               <a:extLst>
                 <a:ext uri="{28A0092B-C50C-407E-A947-70E740481C1C}">
-                  <a14:useLocalDpi xmlns:a14="http://schemas.microsoft.com/office/drawing/2010/main" val="0"/>
+                  <a14:useLocalDpi xmlns:a14="http://schemas.microsoft.com/office/drawing/2010/main" xmlns="" val="0"/>
                 </a:ext>
               </a:extLst>
             </a:blip>
@@ -5579,7 +5718,7 @@
             <a:blip r:embed="rId5" cstate="print">
               <a:extLst>
                 <a:ext uri="{28A0092B-C50C-407E-A947-70E740481C1C}">
-                  <a14:useLocalDpi xmlns:a14="http://schemas.microsoft.com/office/drawing/2010/main" val="0"/>
+                  <a14:useLocalDpi xmlns:a14="http://schemas.microsoft.com/office/drawing/2010/main" xmlns="" val="0"/>
                 </a:ext>
               </a:extLst>
             </a:blip>
@@ -5624,7 +5763,7 @@
             <a:blip r:embed="rId6" cstate="print">
               <a:extLst>
                 <a:ext uri="{28A0092B-C50C-407E-A947-70E740481C1C}">
-                  <a14:useLocalDpi xmlns:a14="http://schemas.microsoft.com/office/drawing/2010/main" val="0"/>
+                  <a14:useLocalDpi xmlns:a14="http://schemas.microsoft.com/office/drawing/2010/main" xmlns="" val="0"/>
                 </a:ext>
               </a:extLst>
             </a:blip>
@@ -5808,7 +5947,7 @@
     </p:spTree>
     <p:extLst>
       <p:ext uri="{BB962C8B-B14F-4D97-AF65-F5344CB8AC3E}">
-        <p14:creationId xmlns:p14="http://schemas.microsoft.com/office/powerpoint/2010/main" val="2907872547"/>
+        <p14:creationId xmlns:p14="http://schemas.microsoft.com/office/powerpoint/2010/main" xmlns="" val="2907872547"/>
       </p:ext>
     </p:extLst>
   </p:cSld>
@@ -5945,7 +6084,7 @@
           <a:blip r:embed="rId2">
             <a:extLst>
               <a:ext uri="{28A0092B-C50C-407E-A947-70E740481C1C}">
-                <a14:useLocalDpi xmlns:a14="http://schemas.microsoft.com/office/drawing/2010/main" val="0"/>
+                <a14:useLocalDpi xmlns:a14="http://schemas.microsoft.com/office/drawing/2010/main" xmlns="" val="0"/>
               </a:ext>
             </a:extLst>
           </a:blip>
@@ -5965,7 +6104,7 @@
           <a:noFill/>
           <a:extLst>
             <a:ext uri="{909E8E84-426E-40DD-AFC4-6F175D3DCCD1}">
-              <a14:hiddenFill xmlns:a14="http://schemas.microsoft.com/office/drawing/2010/main">
+              <a14:hiddenFill xmlns:a14="http://schemas.microsoft.com/office/drawing/2010/main" xmlns="">
                 <a:solidFill>
                   <a:srgbClr val="FFFFFF"/>
                 </a:solidFill>
@@ -5986,7 +6125,7 @@
           <a:blip r:embed="rId3" cstate="print">
             <a:extLst>
               <a:ext uri="{28A0092B-C50C-407E-A947-70E740481C1C}">
-                <a14:useLocalDpi xmlns:a14="http://schemas.microsoft.com/office/drawing/2010/main" val="0"/>
+                <a14:useLocalDpi xmlns:a14="http://schemas.microsoft.com/office/drawing/2010/main" xmlns="" val="0"/>
               </a:ext>
             </a:extLst>
           </a:blip>
@@ -6067,7 +6206,7 @@
           <a:blip r:embed="rId3" cstate="print">
             <a:extLst>
               <a:ext uri="{28A0092B-C50C-407E-A947-70E740481C1C}">
-                <a14:useLocalDpi xmlns:a14="http://schemas.microsoft.com/office/drawing/2010/main" val="0"/>
+                <a14:useLocalDpi xmlns:a14="http://schemas.microsoft.com/office/drawing/2010/main" xmlns="" val="0"/>
               </a:ext>
             </a:extLst>
           </a:blip>
@@ -6097,7 +6236,7 @@
           <a:blip r:embed="rId3" cstate="print">
             <a:extLst>
               <a:ext uri="{28A0092B-C50C-407E-A947-70E740481C1C}">
-                <a14:useLocalDpi xmlns:a14="http://schemas.microsoft.com/office/drawing/2010/main" val="0"/>
+                <a14:useLocalDpi xmlns:a14="http://schemas.microsoft.com/office/drawing/2010/main" xmlns="" val="0"/>
               </a:ext>
             </a:extLst>
           </a:blip>
@@ -6127,7 +6266,7 @@
           <a:blip r:embed="rId3" cstate="print">
             <a:extLst>
               <a:ext uri="{28A0092B-C50C-407E-A947-70E740481C1C}">
-                <a14:useLocalDpi xmlns:a14="http://schemas.microsoft.com/office/drawing/2010/main" val="0"/>
+                <a14:useLocalDpi xmlns:a14="http://schemas.microsoft.com/office/drawing/2010/main" xmlns="" val="0"/>
               </a:ext>
             </a:extLst>
           </a:blip>
@@ -6157,7 +6296,7 @@
           <a:blip r:embed="rId3" cstate="print">
             <a:extLst>
               <a:ext uri="{28A0092B-C50C-407E-A947-70E740481C1C}">
-                <a14:useLocalDpi xmlns:a14="http://schemas.microsoft.com/office/drawing/2010/main" val="0"/>
+                <a14:useLocalDpi xmlns:a14="http://schemas.microsoft.com/office/drawing/2010/main" xmlns="" val="0"/>
               </a:ext>
             </a:extLst>
           </a:blip>
@@ -6653,7 +6792,7 @@
     </p:spTree>
     <p:extLst>
       <p:ext uri="{BB962C8B-B14F-4D97-AF65-F5344CB8AC3E}">
-        <p14:creationId xmlns:p14="http://schemas.microsoft.com/office/powerpoint/2010/main" val="4023081984"/>
+        <p14:creationId xmlns:p14="http://schemas.microsoft.com/office/powerpoint/2010/main" xmlns="" val="4023081984"/>
       </p:ext>
     </p:extLst>
   </p:cSld>
@@ -6759,7 +6898,7 @@
           <a:blip r:embed="rId2">
             <a:extLst>
               <a:ext uri="{28A0092B-C50C-407E-A947-70E740481C1C}">
-                <a14:useLocalDpi xmlns:a14="http://schemas.microsoft.com/office/drawing/2010/main" val="0"/>
+                <a14:useLocalDpi xmlns:a14="http://schemas.microsoft.com/office/drawing/2010/main" xmlns="" val="0"/>
               </a:ext>
             </a:extLst>
           </a:blip>
@@ -6779,7 +6918,7 @@
           <a:noFill/>
           <a:extLst>
             <a:ext uri="{909E8E84-426E-40DD-AFC4-6F175D3DCCD1}">
-              <a14:hiddenFill xmlns:a14="http://schemas.microsoft.com/office/drawing/2010/main">
+              <a14:hiddenFill xmlns:a14="http://schemas.microsoft.com/office/drawing/2010/main" xmlns="">
                 <a:solidFill>
                   <a:srgbClr val="FFFFFF"/>
                 </a:solidFill>
@@ -7307,7 +7446,7 @@
           <a:blip r:embed="rId3" cstate="print">
             <a:extLst>
               <a:ext uri="{28A0092B-C50C-407E-A947-70E740481C1C}">
-                <a14:useLocalDpi xmlns:a14="http://schemas.microsoft.com/office/drawing/2010/main" val="0"/>
+                <a14:useLocalDpi xmlns:a14="http://schemas.microsoft.com/office/drawing/2010/main" xmlns="" val="0"/>
               </a:ext>
             </a:extLst>
           </a:blip>
@@ -7539,7 +7678,7 @@
           <a:blip r:embed="rId4" cstate="print">
             <a:extLst>
               <a:ext uri="{28A0092B-C50C-407E-A947-70E740481C1C}">
-                <a14:useLocalDpi xmlns:a14="http://schemas.microsoft.com/office/drawing/2010/main" val="0"/>
+                <a14:useLocalDpi xmlns:a14="http://schemas.microsoft.com/office/drawing/2010/main" xmlns="" val="0"/>
               </a:ext>
             </a:extLst>
           </a:blip>
@@ -7569,7 +7708,7 @@
           <a:blip r:embed="rId4" cstate="print">
             <a:extLst>
               <a:ext uri="{28A0092B-C50C-407E-A947-70E740481C1C}">
-                <a14:useLocalDpi xmlns:a14="http://schemas.microsoft.com/office/drawing/2010/main" val="0"/>
+                <a14:useLocalDpi xmlns:a14="http://schemas.microsoft.com/office/drawing/2010/main" xmlns="" val="0"/>
               </a:ext>
             </a:extLst>
           </a:blip>
@@ -7599,7 +7738,7 @@
           <a:blip r:embed="rId4" cstate="print">
             <a:extLst>
               <a:ext uri="{28A0092B-C50C-407E-A947-70E740481C1C}">
-                <a14:useLocalDpi xmlns:a14="http://schemas.microsoft.com/office/drawing/2010/main" val="0"/>
+                <a14:useLocalDpi xmlns:a14="http://schemas.microsoft.com/office/drawing/2010/main" xmlns="" val="0"/>
               </a:ext>
             </a:extLst>
           </a:blip>
@@ -7760,7 +7899,7 @@
           <a:blip r:embed="rId5" cstate="print">
             <a:extLst>
               <a:ext uri="{28A0092B-C50C-407E-A947-70E740481C1C}">
-                <a14:useLocalDpi xmlns:a14="http://schemas.microsoft.com/office/drawing/2010/main" val="0"/>
+                <a14:useLocalDpi xmlns:a14="http://schemas.microsoft.com/office/drawing/2010/main" xmlns="" val="0"/>
               </a:ext>
             </a:extLst>
           </a:blip>
@@ -7841,7 +7980,7 @@
           <a:blip r:embed="rId6" cstate="print">
             <a:extLst>
               <a:ext uri="{28A0092B-C50C-407E-A947-70E740481C1C}">
-                <a14:useLocalDpi xmlns:a14="http://schemas.microsoft.com/office/drawing/2010/main" val="0"/>
+                <a14:useLocalDpi xmlns:a14="http://schemas.microsoft.com/office/drawing/2010/main" xmlns="" val="0"/>
               </a:ext>
             </a:extLst>
           </a:blip>
@@ -7861,7 +8000,7 @@
           <a:noFill/>
           <a:extLst>
             <a:ext uri="{909E8E84-426E-40DD-AFC4-6F175D3DCCD1}">
-              <a14:hiddenFill xmlns:a14="http://schemas.microsoft.com/office/drawing/2010/main">
+              <a14:hiddenFill xmlns:a14="http://schemas.microsoft.com/office/drawing/2010/main" xmlns="">
                 <a:solidFill>
                   <a:srgbClr val="FFFFFF"/>
                 </a:solidFill>
@@ -7925,7 +8064,7 @@
           <a:blip r:embed="rId7" cstate="print">
             <a:extLst>
               <a:ext uri="{28A0092B-C50C-407E-A947-70E740481C1C}">
-                <a14:useLocalDpi xmlns:a14="http://schemas.microsoft.com/office/drawing/2010/main" val="0"/>
+                <a14:useLocalDpi xmlns:a14="http://schemas.microsoft.com/office/drawing/2010/main" xmlns="" val="0"/>
               </a:ext>
             </a:extLst>
           </a:blip>
@@ -7945,7 +8084,7 @@
           <a:noFill/>
           <a:extLst>
             <a:ext uri="{909E8E84-426E-40DD-AFC4-6F175D3DCCD1}">
-              <a14:hiddenFill xmlns:a14="http://schemas.microsoft.com/office/drawing/2010/main">
+              <a14:hiddenFill xmlns:a14="http://schemas.microsoft.com/office/drawing/2010/main" xmlns="">
                 <a:solidFill>
                   <a:srgbClr val="FFFFFF"/>
                 </a:solidFill>
@@ -8008,7 +8147,7 @@
     </p:spTree>
     <p:extLst>
       <p:ext uri="{BB962C8B-B14F-4D97-AF65-F5344CB8AC3E}">
-        <p14:creationId xmlns:p14="http://schemas.microsoft.com/office/powerpoint/2010/main" val="3146129775"/>
+        <p14:creationId xmlns:p14="http://schemas.microsoft.com/office/powerpoint/2010/main" xmlns="" val="3146129775"/>
       </p:ext>
     </p:extLst>
   </p:cSld>
@@ -8523,7 +8662,7 @@
           <a:blip r:embed="rId2">
             <a:extLst>
               <a:ext uri="{28A0092B-C50C-407E-A947-70E740481C1C}">
-                <a14:useLocalDpi xmlns:a14="http://schemas.microsoft.com/office/drawing/2010/main" val="0"/>
+                <a14:useLocalDpi xmlns:a14="http://schemas.microsoft.com/office/drawing/2010/main" xmlns="" val="0"/>
               </a:ext>
             </a:extLst>
           </a:blip>
@@ -8541,7 +8680,7 @@
           <a:noFill/>
           <a:extLst>
             <a:ext uri="{909E8E84-426E-40DD-AFC4-6F175D3DCCD1}">
-              <a14:hiddenFill xmlns:a14="http://schemas.microsoft.com/office/drawing/2010/main">
+              <a14:hiddenFill xmlns:a14="http://schemas.microsoft.com/office/drawing/2010/main" xmlns="">
                 <a:solidFill>
                   <a:srgbClr val="FFFFFF"/>
                 </a:solidFill>
@@ -8696,7 +8835,7 @@
           <a:blip r:embed="rId3" cstate="print">
             <a:extLst>
               <a:ext uri="{28A0092B-C50C-407E-A947-70E740481C1C}">
-                <a14:useLocalDpi xmlns:a14="http://schemas.microsoft.com/office/drawing/2010/main" val="0"/>
+                <a14:useLocalDpi xmlns:a14="http://schemas.microsoft.com/office/drawing/2010/main" xmlns="" val="0"/>
               </a:ext>
             </a:extLst>
           </a:blip>
@@ -8726,7 +8865,7 @@
           <a:blip r:embed="rId4" cstate="print">
             <a:extLst>
               <a:ext uri="{28A0092B-C50C-407E-A947-70E740481C1C}">
-                <a14:useLocalDpi xmlns:a14="http://schemas.microsoft.com/office/drawing/2010/main" val="0"/>
+                <a14:useLocalDpi xmlns:a14="http://schemas.microsoft.com/office/drawing/2010/main" xmlns="" val="0"/>
               </a:ext>
             </a:extLst>
           </a:blip>
@@ -8746,7 +8885,7 @@
           <a:noFill/>
           <a:extLst>
             <a:ext uri="{909E8E84-426E-40DD-AFC4-6F175D3DCCD1}">
-              <a14:hiddenFill xmlns:a14="http://schemas.microsoft.com/office/drawing/2010/main">
+              <a14:hiddenFill xmlns:a14="http://schemas.microsoft.com/office/drawing/2010/main" xmlns="">
                 <a:solidFill>
                   <a:srgbClr val="FFFFFF"/>
                 </a:solidFill>
@@ -8839,7 +8978,7 @@
     </p:spTree>
     <p:extLst>
       <p:ext uri="{BB962C8B-B14F-4D97-AF65-F5344CB8AC3E}">
-        <p14:creationId xmlns:p14="http://schemas.microsoft.com/office/powerpoint/2010/main" val="1099750350"/>
+        <p14:creationId xmlns:p14="http://schemas.microsoft.com/office/powerpoint/2010/main" xmlns="" val="1099750350"/>
       </p:ext>
     </p:extLst>
   </p:cSld>
@@ -8929,7 +9068,7 @@
           <a:blip r:embed="rId2">
             <a:extLst>
               <a:ext uri="{28A0092B-C50C-407E-A947-70E740481C1C}">
-                <a14:useLocalDpi xmlns:a14="http://schemas.microsoft.com/office/drawing/2010/main" val="0"/>
+                <a14:useLocalDpi xmlns:a14="http://schemas.microsoft.com/office/drawing/2010/main" xmlns="" val="0"/>
               </a:ext>
             </a:extLst>
           </a:blip>
@@ -8949,7 +9088,7 @@
           <a:noFill/>
           <a:extLst>
             <a:ext uri="{909E8E84-426E-40DD-AFC4-6F175D3DCCD1}">
-              <a14:hiddenFill xmlns:a14="http://schemas.microsoft.com/office/drawing/2010/main">
+              <a14:hiddenFill xmlns:a14="http://schemas.microsoft.com/office/drawing/2010/main" xmlns="">
                 <a:solidFill>
                   <a:srgbClr val="FFFFFF"/>
                 </a:solidFill>
@@ -8970,7 +9109,7 @@
           <a:blip r:embed="rId3" cstate="print">
             <a:extLst>
               <a:ext uri="{28A0092B-C50C-407E-A947-70E740481C1C}">
-                <a14:useLocalDpi xmlns:a14="http://schemas.microsoft.com/office/drawing/2010/main" val="0"/>
+                <a14:useLocalDpi xmlns:a14="http://schemas.microsoft.com/office/drawing/2010/main" xmlns="" val="0"/>
               </a:ext>
             </a:extLst>
           </a:blip>
@@ -8990,7 +9129,7 @@
           <a:noFill/>
           <a:extLst>
             <a:ext uri="{909E8E84-426E-40DD-AFC4-6F175D3DCCD1}">
-              <a14:hiddenFill xmlns:a14="http://schemas.microsoft.com/office/drawing/2010/main">
+              <a14:hiddenFill xmlns:a14="http://schemas.microsoft.com/office/drawing/2010/main" xmlns="">
                 <a:solidFill>
                   <a:srgbClr val="FFFFFF"/>
                 </a:solidFill>
@@ -9484,7 +9623,7 @@
           <a:blip r:embed="rId4" cstate="print">
             <a:extLst>
               <a:ext uri="{28A0092B-C50C-407E-A947-70E740481C1C}">
-                <a14:useLocalDpi xmlns:a14="http://schemas.microsoft.com/office/drawing/2010/main" val="0"/>
+                <a14:useLocalDpi xmlns:a14="http://schemas.microsoft.com/office/drawing/2010/main" xmlns="" val="0"/>
               </a:ext>
             </a:extLst>
           </a:blip>
@@ -9504,7 +9643,7 @@
           <a:noFill/>
           <a:extLst>
             <a:ext uri="{909E8E84-426E-40DD-AFC4-6F175D3DCCD1}">
-              <a14:hiddenFill xmlns:a14="http://schemas.microsoft.com/office/drawing/2010/main">
+              <a14:hiddenFill xmlns:a14="http://schemas.microsoft.com/office/drawing/2010/main" xmlns="">
                 <a:solidFill>
                   <a:srgbClr val="FFFFFF"/>
                 </a:solidFill>
@@ -9525,7 +9664,7 @@
           <a:blip r:embed="rId5" cstate="print">
             <a:extLst>
               <a:ext uri="{28A0092B-C50C-407E-A947-70E740481C1C}">
-                <a14:useLocalDpi xmlns:a14="http://schemas.microsoft.com/office/drawing/2010/main" val="0"/>
+                <a14:useLocalDpi xmlns:a14="http://schemas.microsoft.com/office/drawing/2010/main" xmlns="" val="0"/>
               </a:ext>
             </a:extLst>
           </a:blip>
@@ -9545,7 +9684,7 @@
           <a:noFill/>
           <a:extLst>
             <a:ext uri="{909E8E84-426E-40DD-AFC4-6F175D3DCCD1}">
-              <a14:hiddenFill xmlns:a14="http://schemas.microsoft.com/office/drawing/2010/main">
+              <a14:hiddenFill xmlns:a14="http://schemas.microsoft.com/office/drawing/2010/main" xmlns="">
                 <a:solidFill>
                   <a:srgbClr val="FFFFFF"/>
                 </a:solidFill>
@@ -9631,7 +9770,7 @@
     </p:spTree>
     <p:extLst>
       <p:ext uri="{BB962C8B-B14F-4D97-AF65-F5344CB8AC3E}">
-        <p14:creationId xmlns:p14="http://schemas.microsoft.com/office/powerpoint/2010/main" val="2872687542"/>
+        <p14:creationId xmlns:p14="http://schemas.microsoft.com/office/powerpoint/2010/main" xmlns="" val="2872687542"/>
       </p:ext>
     </p:extLst>
   </p:cSld>
@@ -9677,7 +9816,7 @@
           <a:blip r:embed="rId2">
             <a:extLst>
               <a:ext uri="{28A0092B-C50C-407E-A947-70E740481C1C}">
-                <a14:useLocalDpi xmlns:a14="http://schemas.microsoft.com/office/drawing/2010/main" val="0"/>
+                <a14:useLocalDpi xmlns:a14="http://schemas.microsoft.com/office/drawing/2010/main" xmlns="" val="0"/>
               </a:ext>
             </a:extLst>
           </a:blip>
@@ -9697,7 +9836,7 @@
           <a:noFill/>
           <a:extLst>
             <a:ext uri="{909E8E84-426E-40DD-AFC4-6F175D3DCCD1}">
-              <a14:hiddenFill xmlns:a14="http://schemas.microsoft.com/office/drawing/2010/main">
+              <a14:hiddenFill xmlns:a14="http://schemas.microsoft.com/office/drawing/2010/main" xmlns="">
                 <a:solidFill>
                   <a:srgbClr val="FFFFFF"/>
                 </a:solidFill>
@@ -10279,7 +10418,7 @@
           <a:blip r:embed="rId3" cstate="print">
             <a:extLst>
               <a:ext uri="{28A0092B-C50C-407E-A947-70E740481C1C}">
-                <a14:useLocalDpi xmlns:a14="http://schemas.microsoft.com/office/drawing/2010/main" val="0"/>
+                <a14:useLocalDpi xmlns:a14="http://schemas.microsoft.com/office/drawing/2010/main" xmlns="" val="0"/>
               </a:ext>
             </a:extLst>
           </a:blip>
@@ -10299,7 +10438,7 @@
           <a:noFill/>
           <a:extLst>
             <a:ext uri="{909E8E84-426E-40DD-AFC4-6F175D3DCCD1}">
-              <a14:hiddenFill xmlns:a14="http://schemas.microsoft.com/office/drawing/2010/main">
+              <a14:hiddenFill xmlns:a14="http://schemas.microsoft.com/office/drawing/2010/main" xmlns="">
                 <a:solidFill>
                   <a:srgbClr val="FFFFFF"/>
                 </a:solidFill>
@@ -10427,7 +10566,7 @@
           <a:blip r:embed="rId4" cstate="print">
             <a:extLst>
               <a:ext uri="{28A0092B-C50C-407E-A947-70E740481C1C}">
-                <a14:useLocalDpi xmlns:a14="http://schemas.microsoft.com/office/drawing/2010/main" val="0"/>
+                <a14:useLocalDpi xmlns:a14="http://schemas.microsoft.com/office/drawing/2010/main" xmlns="" val="0"/>
               </a:ext>
             </a:extLst>
           </a:blip>
@@ -10447,7 +10586,7 @@
           <a:noFill/>
           <a:extLst>
             <a:ext uri="{909E8E84-426E-40DD-AFC4-6F175D3DCCD1}">
-              <a14:hiddenFill xmlns:a14="http://schemas.microsoft.com/office/drawing/2010/main">
+              <a14:hiddenFill xmlns:a14="http://schemas.microsoft.com/office/drawing/2010/main" xmlns="">
                 <a:solidFill>
                   <a:srgbClr val="FFFFFF"/>
                 </a:solidFill>
@@ -10468,7 +10607,7 @@
           <a:blip r:embed="rId5" cstate="print">
             <a:extLst>
               <a:ext uri="{28A0092B-C50C-407E-A947-70E740481C1C}">
-                <a14:useLocalDpi xmlns:a14="http://schemas.microsoft.com/office/drawing/2010/main" val="0"/>
+                <a14:useLocalDpi xmlns:a14="http://schemas.microsoft.com/office/drawing/2010/main" xmlns="" val="0"/>
               </a:ext>
             </a:extLst>
           </a:blip>
@@ -10488,7 +10627,7 @@
           <a:noFill/>
           <a:extLst>
             <a:ext uri="{909E8E84-426E-40DD-AFC4-6F175D3DCCD1}">
-              <a14:hiddenFill xmlns:a14="http://schemas.microsoft.com/office/drawing/2010/main">
+              <a14:hiddenFill xmlns:a14="http://schemas.microsoft.com/office/drawing/2010/main" xmlns="">
                 <a:solidFill>
                   <a:srgbClr val="FFFFFF"/>
                 </a:solidFill>
@@ -10574,7 +10713,7 @@
     </p:spTree>
     <p:extLst>
       <p:ext uri="{BB962C8B-B14F-4D97-AF65-F5344CB8AC3E}">
-        <p14:creationId xmlns:p14="http://schemas.microsoft.com/office/powerpoint/2010/main" val="2211086906"/>
+        <p14:creationId xmlns:p14="http://schemas.microsoft.com/office/powerpoint/2010/main" xmlns="" val="2211086906"/>
       </p:ext>
     </p:extLst>
   </p:cSld>
@@ -10703,7 +10842,7 @@
           <p:nvPr>
             <p:extLst>
               <p:ext uri="{D42A27DB-BD31-4B8C-83A1-F6EECF244321}">
-                <p14:modId xmlns:p14="http://schemas.microsoft.com/office/powerpoint/2010/main" val="2253312446"/>
+                <p14:modId xmlns:p14="http://schemas.microsoft.com/office/powerpoint/2010/main" xmlns="" val="2253312446"/>
               </p:ext>
             </p:extLst>
           </p:nvPr>
@@ -11449,7 +11588,7 @@
     </p:spTree>
     <p:extLst>
       <p:ext uri="{BB962C8B-B14F-4D97-AF65-F5344CB8AC3E}">
-        <p14:creationId xmlns:p14="http://schemas.microsoft.com/office/powerpoint/2010/main" val="1827159192"/>
+        <p14:creationId xmlns:p14="http://schemas.microsoft.com/office/powerpoint/2010/main" xmlns="" val="1827159192"/>
       </p:ext>
     </p:extLst>
   </p:cSld>
